--- a/m2/ppt/2.pptx
+++ b/m2/ppt/2.pptx
@@ -23304,7 +23304,7 @@
         </p:spPr>
         <p:txBody>
           <a:bodyPr>
-            <a:normAutofit fontScale="85000" lnSpcReduction="20000"/>
+            <a:normAutofit fontScale="92500" lnSpcReduction="10000"/>
           </a:bodyPr>
           <a:lstStyle/>
           <a:p>
@@ -23312,17 +23312,20 @@
               <a:lnSpc>
                 <a:spcPct val="90000"/>
               </a:lnSpc>
+              <a:spcAft>
+                <a:spcPts val="1200"/>
+              </a:spcAft>
             </a:pPr>
             <a:r>
-              <a:rPr lang="ru-RU" dirty="0"/>
+              <a:rPr lang="ru-RU" sz="2800" dirty="0"/>
               <a:t>В </a:t>
             </a:r>
             <a:r>
-              <a:rPr lang="ru-RU" b="1" dirty="0" err="1"/>
+              <a:rPr lang="ru-RU" sz="2800" b="1" dirty="0" err="1"/>
               <a:t>Python</a:t>
             </a:r>
             <a:r>
-              <a:rPr lang="ru-RU" dirty="0"/>
+              <a:rPr lang="ru-RU" sz="2800" dirty="0"/>
               <a:t> три базовых области видимости переменных:</a:t>
             </a:r>
           </a:p>
@@ -23331,9 +23334,12 @@
               <a:lnSpc>
                 <a:spcPct val="90000"/>
               </a:lnSpc>
+              <a:spcAft>
+                <a:spcPts val="1200"/>
+              </a:spcAft>
             </a:pPr>
             <a:r>
-              <a:rPr lang="ru-RU" dirty="0"/>
+              <a:rPr lang="ru-RU" sz="2400" dirty="0"/>
               <a:t>Глобальная</a:t>
             </a:r>
           </a:p>
@@ -23342,21 +23348,27 @@
               <a:lnSpc>
                 <a:spcPct val="90000"/>
               </a:lnSpc>
+              <a:spcAft>
+                <a:spcPts val="1200"/>
+              </a:spcAft>
             </a:pPr>
             <a:r>
-              <a:rPr lang="ru-RU" dirty="0"/>
+              <a:rPr lang="ru-RU" sz="2400" dirty="0"/>
               <a:t>Локальная</a:t>
             </a:r>
-            <a:endParaRPr lang="en-US" dirty="0"/>
+            <a:endParaRPr lang="en-US" sz="2400" dirty="0"/>
           </a:p>
           <a:p>
             <a:pPr marL="1080000" lvl="1" indent="-360000">
               <a:lnSpc>
                 <a:spcPct val="90000"/>
               </a:lnSpc>
+              <a:spcAft>
+                <a:spcPts val="1200"/>
+              </a:spcAft>
             </a:pPr>
             <a:r>
-              <a:rPr lang="ru-RU" dirty="0"/>
+              <a:rPr lang="ru-RU" sz="2400" dirty="0"/>
               <a:t>Нелокальная</a:t>
             </a:r>
           </a:p>
@@ -23365,13 +23377,16 @@
               <a:lnSpc>
                 <a:spcPct val="90000"/>
               </a:lnSpc>
+              <a:spcAft>
+                <a:spcPts val="1200"/>
+              </a:spcAft>
             </a:pPr>
             <a:r>
-              <a:rPr lang="ru-RU" dirty="0"/>
+              <a:rPr lang="ru-RU" sz="2800" dirty="0"/>
               <a:t>Переменные, объявленные </a:t>
             </a:r>
             <a:r>
-              <a:rPr lang="ru-RU" b="1" dirty="0">
+              <a:rPr lang="ru-RU" sz="2800" b="1" dirty="0">
                 <a:solidFill>
                   <a:srgbClr val="FF0000"/>
                 </a:solidFill>
@@ -23379,11 +23394,11 @@
               <a:t>внутри</a:t>
             </a:r>
             <a:r>
-              <a:rPr lang="ru-RU" dirty="0"/>
+              <a:rPr lang="ru-RU" sz="2800" dirty="0"/>
               <a:t> тела функции, имеют локальную область видимости, а объявленные </a:t>
             </a:r>
             <a:r>
-              <a:rPr lang="ru-RU" b="1" dirty="0">
+              <a:rPr lang="ru-RU" sz="2800" b="1" dirty="0">
                 <a:solidFill>
                   <a:srgbClr val="FF0000"/>
                 </a:solidFill>
@@ -23391,7 +23406,7 @@
               <a:t>вне</a:t>
             </a:r>
             <a:r>
-              <a:rPr lang="ru-RU" dirty="0"/>
+              <a:rPr lang="ru-RU" sz="2800" dirty="0"/>
               <a:t> тела функции, имеют глобальную область видимости.</a:t>
             </a:r>
           </a:p>
@@ -23400,9 +23415,12 @@
               <a:lnSpc>
                 <a:spcPct val="90000"/>
               </a:lnSpc>
+              <a:spcAft>
+                <a:spcPts val="1200"/>
+              </a:spcAft>
             </a:pPr>
             <a:r>
-              <a:rPr lang="ru-RU" dirty="0"/>
+              <a:rPr lang="ru-RU" sz="2800" dirty="0"/>
               <a:t>Доступ к локальным переменным имеют только те функции, внутри которых они были объявлены, а доступ к глобальным переменным можно получить по всей программе в любой функции.</a:t>
             </a:r>
           </a:p>
@@ -23411,13 +23429,16 @@
               <a:lnSpc>
                 <a:spcPct val="90000"/>
               </a:lnSpc>
+              <a:spcAft>
+                <a:spcPts val="1200"/>
+              </a:spcAft>
             </a:pPr>
             <a:r>
-              <a:rPr lang="ru-RU" dirty="0"/>
+              <a:rPr lang="ru-RU" sz="2800" dirty="0"/>
               <a:t>По умолчанию все имена, присваивание которым производится внутри функций, являются </a:t>
             </a:r>
             <a:r>
-              <a:rPr lang="ru-RU" b="1" dirty="0">
+              <a:rPr lang="ru-RU" sz="2800" b="1" dirty="0">
                 <a:solidFill>
                   <a:srgbClr val="FF0000"/>
                 </a:solidFill>
@@ -23425,7 +23446,7 @@
               <a:t>локальными</a:t>
             </a:r>
             <a:r>
-              <a:rPr lang="ru-RU" dirty="0"/>
+              <a:rPr lang="ru-RU" sz="2800" dirty="0"/>
               <a:t> для этих функций и существуют только во время их выполнения.</a:t>
             </a:r>
           </a:p>
@@ -23434,9 +23455,12 @@
               <a:lnSpc>
                 <a:spcPct val="90000"/>
               </a:lnSpc>
+              <a:spcAft>
+                <a:spcPts val="1200"/>
+              </a:spcAft>
               <a:buNone/>
             </a:pPr>
-            <a:endParaRPr lang="ru-RU" dirty="0"/>
+            <a:endParaRPr lang="ru-RU" sz="2000" dirty="0"/>
           </a:p>
         </p:txBody>
       </p:sp>
@@ -23588,6 +23612,16 @@
                 </a:solidFill>
               </a:rPr>
             </a:br>
+            <a:endParaRPr lang="en-US" sz="2800" b="1" i="1" dirty="0">
+              <a:solidFill>
+                <a:srgbClr val="00B050"/>
+              </a:solidFill>
+            </a:endParaRPr>
+          </a:p>
+          <a:p>
+            <a:pPr>
+              <a:buNone/>
+            </a:pPr>
             <a:r>
               <a:rPr lang="en-US" sz="2800" b="1" i="1" dirty="0"/>
               <a:t>def loc():</a:t>
@@ -23657,6 +23691,12 @@
             <a:br>
               <a:rPr lang="en-US" sz="2800" b="1" i="1" dirty="0"/>
             </a:br>
+            <a:endParaRPr lang="en-US" sz="2800" b="1" i="1" dirty="0"/>
+          </a:p>
+          <a:p>
+            <a:pPr>
+              <a:buNone/>
+            </a:pPr>
             <a:r>
               <a:rPr lang="en-US" sz="2800" b="1" i="1" dirty="0"/>
               <a:t>glob()  	</a:t>
@@ -24645,57 +24685,108 @@
         </p:spPr>
         <p:txBody>
           <a:bodyPr>
-            <a:normAutofit/>
+            <a:normAutofit fontScale="92500"/>
           </a:bodyPr>
           <a:lstStyle/>
           <a:p>
-            <a:r>
-              <a:rPr lang="ru-RU" dirty="0"/>
+            <a:pPr>
+              <a:spcAft>
+                <a:spcPts val="1200"/>
+              </a:spcAft>
+            </a:pPr>
+            <a:r>
+              <a:rPr lang="ru-RU" sz="3600" dirty="0"/>
               <a:t>Применение замыкания позволяет</a:t>
             </a:r>
             <a:r>
-              <a:rPr lang="en-US" dirty="0"/>
+              <a:rPr lang="en-US" sz="3600" dirty="0"/>
               <a:t> </a:t>
             </a:r>
-            <a:endParaRPr lang="ru-RU" dirty="0"/>
-          </a:p>
-          <a:p>
-            <a:pPr lvl="1"/>
-            <a:r>
-              <a:rPr lang="ru-RU" dirty="0"/>
+            <a:endParaRPr lang="ru-RU" sz="3600" dirty="0"/>
+          </a:p>
+          <a:p>
+            <a:pPr lvl="1">
+              <a:spcAft>
+                <a:spcPts val="1200"/>
+              </a:spcAft>
+            </a:pPr>
+            <a:r>
+              <a:rPr lang="ru-RU" sz="2800" dirty="0"/>
               <a:t>устранить жестко кодированные константы; </a:t>
             </a:r>
           </a:p>
           <a:p>
-            <a:pPr lvl="1"/>
-            <a:r>
-              <a:rPr lang="ru-RU" dirty="0"/>
+            <a:pPr lvl="1">
+              <a:spcAft>
+                <a:spcPts val="1200"/>
+              </a:spcAft>
+            </a:pPr>
+            <a:r>
+              <a:rPr lang="ru-RU" sz="2800" dirty="0"/>
               <a:t>убрать глобальные переменные из кода;</a:t>
             </a:r>
           </a:p>
           <a:p>
-            <a:pPr lvl="1"/>
-            <a:r>
-              <a:rPr lang="ru-RU" dirty="0"/>
+            <a:pPr lvl="1">
+              <a:spcAft>
+                <a:spcPts val="1200"/>
+              </a:spcAft>
+            </a:pPr>
+            <a:r>
+              <a:rPr lang="ru-RU" sz="2800" dirty="0"/>
               <a:t>увеличить производительность (В </a:t>
             </a:r>
             <a:r>
-              <a:rPr lang="ru-RU" dirty="0" err="1"/>
+              <a:rPr lang="ru-RU" sz="2800" dirty="0" err="1"/>
               <a:t>Python</a:t>
             </a:r>
             <a:r>
-              <a:rPr lang="ru-RU" dirty="0"/>
+              <a:rPr lang="ru-RU" sz="2800" dirty="0"/>
               <a:t> загрузка переменных в SCOPE (локальную область) сравнительно долгий процесс).</a:t>
             </a:r>
           </a:p>
           <a:p>
-            <a:r>
-              <a:rPr lang="ru-RU" dirty="0"/>
-              <a:t>Замкнутые переменные доступны только для чтения. Чтобы обойти это ограничение, нужно замыкать переменные в изменяемые переменные, например, в список. Сами замкнутые переменные нельзя будет перезаписывать, а вот содержимое контейнера возможно.</a:t>
-            </a:r>
-          </a:p>
-          <a:p>
-            <a:endParaRPr lang="ru-RU" dirty="0"/>
+            <a:pPr>
+              <a:spcAft>
+                <a:spcPts val="1200"/>
+              </a:spcAft>
+            </a:pPr>
+            <a:r>
+              <a:rPr lang="ru-RU" sz="3600" dirty="0"/>
+              <a:t>Замкнутые переменные доступны только для чтения. </a:t>
+            </a:r>
+            <a:endParaRPr lang="en-US" sz="3600" dirty="0"/>
+          </a:p>
+          <a:p>
+            <a:pPr>
+              <a:spcAft>
+                <a:spcPts val="1200"/>
+              </a:spcAft>
+            </a:pPr>
+            <a:r>
+              <a:rPr lang="ru-RU" sz="3600" dirty="0"/>
+              <a:t>Чтобы обойти это ограничение, нужно замыкать переменные в изменяемые переменные, например, в список. </a:t>
+            </a:r>
+            <a:endParaRPr lang="en-US" sz="3600" dirty="0"/>
+          </a:p>
+          <a:p>
+            <a:pPr>
+              <a:spcAft>
+                <a:spcPts val="1200"/>
+              </a:spcAft>
+            </a:pPr>
+            <a:r>
+              <a:rPr lang="ru-RU" sz="3600" dirty="0"/>
+              <a:t>Сами замкнутые переменные нельзя будет перезаписывать, а вот содержимое контейнера возможно.</a:t>
+            </a:r>
+          </a:p>
+          <a:p>
+            <a:pPr>
+              <a:spcAft>
+                <a:spcPts val="1200"/>
+              </a:spcAft>
+            </a:pPr>
+            <a:endParaRPr lang="ru-RU" sz="3600" dirty="0"/>
           </a:p>
         </p:txBody>
       </p:sp>

--- a/m2/ppt/2.pptx
+++ b/m2/ppt/2.pptx
@@ -23,8 +23,8 @@
     <p:sldId id="290" r:id="rId11"/>
     <p:sldId id="298" r:id="rId12"/>
     <p:sldId id="432" r:id="rId13"/>
-    <p:sldId id="429" r:id="rId14"/>
-    <p:sldId id="430" r:id="rId15"/>
+    <p:sldId id="430" r:id="rId14"/>
+    <p:sldId id="429" r:id="rId15"/>
     <p:sldId id="434" r:id="rId16"/>
     <p:sldId id="363" r:id="rId17"/>
   </p:sldIdLst>
@@ -140,8 +140,8 @@
             <p14:sldId id="290"/>
             <p14:sldId id="298"/>
             <p14:sldId id="432"/>
+            <p14:sldId id="430"/>
             <p14:sldId id="429"/>
-            <p14:sldId id="430"/>
             <p14:sldId id="434"/>
             <p14:sldId id="363"/>
           </p14:sldIdLst>
@@ -263,7 +263,7 @@
           <a:p>
             <a:fld id="{56D26834-5DB3-4451-BEB8-B76B7C0DCE76}" type="datetimeFigureOut">
               <a:rPr lang="ru-RU" smtClean="0"/>
-              <a:t>11.11.2024</a:t>
+              <a:t>12.11.2024</a:t>
             </a:fld>
             <a:endParaRPr lang="ru-RU"/>
           </a:p>
@@ -441,7 +441,7 @@
           <a:p>
             <a:fld id="{46072826-B294-4B60-AAC1-7EDD02A53457}" type="datetimeFigureOut">
               <a:rPr lang="ru-RU" smtClean="0"/>
-              <a:t>11.11.2024</a:t>
+              <a:t>12.11.2024</a:t>
             </a:fld>
             <a:endParaRPr lang="ru-RU"/>
           </a:p>
@@ -17981,7 +17981,7 @@
           <a:p>
             <a:fld id="{EF790F8C-5FB9-4EFE-BCC7-F735A3026FD8}" type="datetimeFigureOut">
               <a:rPr lang="ru-RU" smtClean="0"/>
-              <a:t>11.11.2024</a:t>
+              <a:t>12.11.2024</a:t>
             </a:fld>
             <a:endParaRPr lang="ru-RU"/>
           </a:p>
@@ -22127,116 +22127,6 @@
       </p:sp>
       <p:pic>
         <p:nvPicPr>
-          <p:cNvPr id="1026" name="Picture 2" descr="Что такое декораторы и для чего они нужны в Python">
-            <a:extLst>
-              <a:ext uri="{FF2B5EF4-FFF2-40B4-BE49-F238E27FC236}">
-                <a16:creationId xmlns:a16="http://schemas.microsoft.com/office/drawing/2014/main" id="{4513F5B7-1B47-4526-B6EA-EFC553301A73}"/>
-              </a:ext>
-            </a:extLst>
-          </p:cNvPr>
-          <p:cNvPicPr>
-            <a:picLocks noChangeAspect="1" noChangeArrowheads="1"/>
-          </p:cNvPicPr>
-          <p:nvPr/>
-        </p:nvPicPr>
-        <p:blipFill>
-          <a:blip r:embed="rId2">
-            <a:extLst>
-              <a:ext uri="{28A0092B-C50C-407E-A947-70E740481C1C}">
-                <a14:useLocalDpi xmlns:a14="http://schemas.microsoft.com/office/drawing/2010/main" val="0"/>
-              </a:ext>
-            </a:extLst>
-          </a:blip>
-          <a:srcRect/>
-          <a:stretch>
-            <a:fillRect/>
-          </a:stretch>
-        </p:blipFill>
-        <p:spPr bwMode="auto">
-          <a:xfrm>
-            <a:off x="1287330" y="429599"/>
-            <a:ext cx="9047294" cy="5497698"/>
-          </a:xfrm>
-          <a:prstGeom prst="rect">
-            <a:avLst/>
-          </a:prstGeom>
-          <a:noFill/>
-          <a:extLst>
-            <a:ext uri="{909E8E84-426E-40DD-AFC4-6F175D3DCCD1}">
-              <a14:hiddenFill xmlns:a14="http://schemas.microsoft.com/office/drawing/2010/main">
-                <a:solidFill>
-                  <a:srgbClr val="FFFFFF"/>
-                </a:solidFill>
-              </a14:hiddenFill>
-            </a:ext>
-          </a:extLst>
-        </p:spPr>
-      </p:pic>
-    </p:spTree>
-    <p:extLst>
-      <p:ext uri="{BB962C8B-B14F-4D97-AF65-F5344CB8AC3E}">
-        <p14:creationId xmlns:p14="http://schemas.microsoft.com/office/powerpoint/2010/main" val="3655367807"/>
-      </p:ext>
-    </p:extLst>
-  </p:cSld>
-  <p:clrMapOvr>
-    <a:masterClrMapping/>
-  </p:clrMapOvr>
-</p:sld>
-</file>
-
-<file path=ppt/slides/slide12.xml><?xml version="1.0" encoding="utf-8"?>
-<p:sld xmlns:a="http://schemas.openxmlformats.org/drawingml/2006/main" xmlns:r="http://schemas.openxmlformats.org/officeDocument/2006/relationships" xmlns:p="http://schemas.openxmlformats.org/presentationml/2006/main" showMasterSp="0">
-  <p:cSld>
-    <p:spTree>
-      <p:nvGrpSpPr>
-        <p:cNvPr id="1" name=""/>
-        <p:cNvGrpSpPr/>
-        <p:nvPr/>
-      </p:nvGrpSpPr>
-      <p:grpSpPr>
-        <a:xfrm>
-          <a:off x="0" y="0"/>
-          <a:ext cx="0" cy="0"/>
-          <a:chOff x="0" y="0"/>
-          <a:chExt cx="0" cy="0"/>
-        </a:xfrm>
-      </p:grpSpPr>
-      <p:sp>
-        <p:nvSpPr>
-          <p:cNvPr id="4" name="Номер слайда 3"/>
-          <p:cNvSpPr>
-            <a:spLocks noGrp="1"/>
-          </p:cNvSpPr>
-          <p:nvPr>
-            <p:ph type="sldNum" sz="quarter" idx="10"/>
-          </p:nvPr>
-        </p:nvSpPr>
-        <p:spPr/>
-        <p:txBody>
-          <a:bodyPr/>
-          <a:lstStyle/>
-          <a:p>
-            <a:pPr defTabSz="914400"/>
-            <a:fld id="{1519AFA1-E01F-4869-9A2C-AE6B64FF5724}" type="slidenum">
-              <a:rPr lang="ru-RU">
-                <a:solidFill>
-                  <a:prstClr val="white"/>
-                </a:solidFill>
-              </a:rPr>
-              <a:pPr defTabSz="914400"/>
-              <a:t>12</a:t>
-            </a:fld>
-            <a:endParaRPr lang="ru-RU" dirty="0">
-              <a:solidFill>
-                <a:prstClr val="white"/>
-              </a:solidFill>
-            </a:endParaRPr>
-          </a:p>
-        </p:txBody>
-      </p:sp>
-      <p:pic>
-        <p:nvPicPr>
           <p:cNvPr id="2050" name="Picture 2" descr="Декораторы в Python: понятие, структура, примеры использования">
             <a:extLst>
               <a:ext uri="{FF2B5EF4-FFF2-40B4-BE49-F238E27FC236}">
@@ -22477,6 +22367,116 @@
       </p:par>
     </p:tnLst>
   </p:timing>
+</p:sld>
+</file>
+
+<file path=ppt/slides/slide12.xml><?xml version="1.0" encoding="utf-8"?>
+<p:sld xmlns:a="http://schemas.openxmlformats.org/drawingml/2006/main" xmlns:r="http://schemas.openxmlformats.org/officeDocument/2006/relationships" xmlns:p="http://schemas.openxmlformats.org/presentationml/2006/main" showMasterSp="0">
+  <p:cSld>
+    <p:spTree>
+      <p:nvGrpSpPr>
+        <p:cNvPr id="1" name=""/>
+        <p:cNvGrpSpPr/>
+        <p:nvPr/>
+      </p:nvGrpSpPr>
+      <p:grpSpPr>
+        <a:xfrm>
+          <a:off x="0" y="0"/>
+          <a:ext cx="0" cy="0"/>
+          <a:chOff x="0" y="0"/>
+          <a:chExt cx="0" cy="0"/>
+        </a:xfrm>
+      </p:grpSpPr>
+      <p:sp>
+        <p:nvSpPr>
+          <p:cNvPr id="4" name="Номер слайда 3"/>
+          <p:cNvSpPr>
+            <a:spLocks noGrp="1"/>
+          </p:cNvSpPr>
+          <p:nvPr>
+            <p:ph type="sldNum" sz="quarter" idx="10"/>
+          </p:nvPr>
+        </p:nvSpPr>
+        <p:spPr/>
+        <p:txBody>
+          <a:bodyPr/>
+          <a:lstStyle/>
+          <a:p>
+            <a:pPr defTabSz="914400"/>
+            <a:fld id="{1519AFA1-E01F-4869-9A2C-AE6B64FF5724}" type="slidenum">
+              <a:rPr lang="ru-RU">
+                <a:solidFill>
+                  <a:prstClr val="white"/>
+                </a:solidFill>
+              </a:rPr>
+              <a:pPr defTabSz="914400"/>
+              <a:t>12</a:t>
+            </a:fld>
+            <a:endParaRPr lang="ru-RU" dirty="0">
+              <a:solidFill>
+                <a:prstClr val="white"/>
+              </a:solidFill>
+            </a:endParaRPr>
+          </a:p>
+        </p:txBody>
+      </p:sp>
+      <p:pic>
+        <p:nvPicPr>
+          <p:cNvPr id="1026" name="Picture 2" descr="Что такое декораторы и для чего они нужны в Python">
+            <a:extLst>
+              <a:ext uri="{FF2B5EF4-FFF2-40B4-BE49-F238E27FC236}">
+                <a16:creationId xmlns:a16="http://schemas.microsoft.com/office/drawing/2014/main" id="{4513F5B7-1B47-4526-B6EA-EFC553301A73}"/>
+              </a:ext>
+            </a:extLst>
+          </p:cNvPr>
+          <p:cNvPicPr>
+            <a:picLocks noChangeAspect="1" noChangeArrowheads="1"/>
+          </p:cNvPicPr>
+          <p:nvPr/>
+        </p:nvPicPr>
+        <p:blipFill>
+          <a:blip r:embed="rId2">
+            <a:extLst>
+              <a:ext uri="{28A0092B-C50C-407E-A947-70E740481C1C}">
+                <a14:useLocalDpi xmlns:a14="http://schemas.microsoft.com/office/drawing/2010/main" val="0"/>
+              </a:ext>
+            </a:extLst>
+          </a:blip>
+          <a:srcRect/>
+          <a:stretch>
+            <a:fillRect/>
+          </a:stretch>
+        </p:blipFill>
+        <p:spPr bwMode="auto">
+          <a:xfrm>
+            <a:off x="1287330" y="429599"/>
+            <a:ext cx="9047294" cy="5497698"/>
+          </a:xfrm>
+          <a:prstGeom prst="rect">
+            <a:avLst/>
+          </a:prstGeom>
+          <a:noFill/>
+          <a:extLst>
+            <a:ext uri="{909E8E84-426E-40DD-AFC4-6F175D3DCCD1}">
+              <a14:hiddenFill xmlns:a14="http://schemas.microsoft.com/office/drawing/2010/main">
+                <a:solidFill>
+                  <a:srgbClr val="FFFFFF"/>
+                </a:solidFill>
+              </a14:hiddenFill>
+            </a:ext>
+          </a:extLst>
+        </p:spPr>
+      </p:pic>
+    </p:spTree>
+    <p:extLst>
+      <p:ext uri="{BB962C8B-B14F-4D97-AF65-F5344CB8AC3E}">
+        <p14:creationId xmlns:p14="http://schemas.microsoft.com/office/powerpoint/2010/main" val="3655367807"/>
+      </p:ext>
+    </p:extLst>
+  </p:cSld>
+  <p:clrMapOvr>
+    <a:masterClrMapping/>
+  </p:clrMapOvr>
 </p:sld>
 </file>
 
